--- a/Eixo5/Eixo 5 - Portifólio de Projetos.pptx
+++ b/Eixo5/Eixo 5 - Portifólio de Projetos.pptx
@@ -4985,7 +4985,7 @@
                 </a:solidFill>
                 <a:latin typeface="Lato Light" panose="020F0302020204030203" pitchFamily="34" charset="0"/>
               </a:rPr>
-              <a:t>PORTIFÓLIO DE PROJETOS DE EIXO</a:t>
+              <a:t>PORTFÓLIO DE PROJETOS DE EIXO</a:t>
             </a:r>
           </a:p>
         </p:txBody>
